--- a/BeerMe.pptx
+++ b/BeerMe.pptx
@@ -127,6 +127,18 @@
     </p:ext>
   </p:extLst>
 </p:presentation>
+</file>
+
+<file path=ppt/commentAuthors.xml><?xml version="1.0" encoding="utf-8"?>
+<p:cmAuthorLst xmlns:a="http://schemas.openxmlformats.org/drawingml/2006/main" xmlns:r="http://schemas.openxmlformats.org/officeDocument/2006/relationships" xmlns:p="http://schemas.openxmlformats.org/presentationml/2006/main">
+  <p:cmAuthor id="1" name="Sharp, Thomas M" initials="STM" lastIdx="1" clrIdx="0">
+    <p:extLst>
+      <p:ext uri="{19B8F6BF-5375-455C-9EA6-DF929625EA0E}">
+        <p15:presenceInfo xmlns:p15="http://schemas.microsoft.com/office/powerpoint/2012/main" userId="S::tsharp33@gatech.edu::1ec69f43-526d-4406-9770-272be4da4e9c" providerId="AD"/>
+      </p:ext>
+    </p:extLst>
+  </p:cmAuthor>
+</p:cmAuthorLst>
 </file>
 
 <file path=ppt/notesMasters/notesMaster1.xml><?xml version="1.0" encoding="utf-8"?>
@@ -3710,13 +3722,13 @@
         </p:nvSpPr>
         <p:spPr>
           <a:xfrm>
-            <a:off x="637159" y="2922313"/>
-            <a:ext cx="9483416" cy="867595"/>
+            <a:off x="637159" y="2521819"/>
+            <a:ext cx="9483416" cy="1268089"/>
           </a:xfrm>
         </p:spPr>
         <p:txBody>
           <a:bodyPr>
-            <a:normAutofit fontScale="90000"/>
+            <a:normAutofit/>
           </a:bodyPr>
           <a:lstStyle/>
           <a:p>
@@ -4107,8 +4119,8 @@
         </p:nvSpPr>
         <p:spPr>
           <a:xfrm>
-            <a:off x="442332" y="1253330"/>
-            <a:ext cx="11307336" cy="4889947"/>
+            <a:off x="442332" y="1116532"/>
+            <a:ext cx="11307336" cy="5428648"/>
           </a:xfrm>
         </p:spPr>
         <p:txBody>
@@ -4129,23 +4141,24 @@
           <a:p>
             <a:pPr lvl="1"/>
             <a:r>
-              <a:rPr lang="en-US" sz="2000" dirty="0">
+              <a:rPr lang="en-US" sz="1800" dirty="0">
                 <a:latin typeface="Open Sans" panose="020B0606030504020204" pitchFamily="34" charset="0"/>
                 <a:ea typeface="Open Sans" panose="020B0606030504020204" pitchFamily="34" charset="0"/>
                 <a:cs typeface="Open Sans" panose="020B0606030504020204" pitchFamily="34" charset="0"/>
               </a:rPr>
-              <a:t>Several techniques explored </a:t>
+              <a:t>A customizable recommendation system application was built which allows users to build a model based on their / similar users’ taste</a:t>
             </a:r>
           </a:p>
           <a:p>
-            <a:pPr marL="457200" lvl="1" indent="0">
-              <a:buNone/>
-            </a:pPr>
-            <a:endParaRPr lang="en-US" sz="2000" dirty="0">
-              <a:latin typeface="Open Sans" panose="020B0606030504020204" pitchFamily="34" charset="0"/>
-              <a:ea typeface="Open Sans" panose="020B0606030504020204" pitchFamily="34" charset="0"/>
-              <a:cs typeface="Open Sans" panose="020B0606030504020204" pitchFamily="34" charset="0"/>
-            </a:endParaRPr>
+            <a:pPr lvl="1"/>
+            <a:r>
+              <a:rPr lang="en-US" sz="1800" dirty="0">
+                <a:latin typeface="Open Sans" panose="020B0606030504020204" pitchFamily="34" charset="0"/>
+                <a:ea typeface="Open Sans" panose="020B0606030504020204" pitchFamily="34" charset="0"/>
+                <a:cs typeface="Open Sans" panose="020B0606030504020204" pitchFamily="34" charset="0"/>
+              </a:rPr>
+              <a:t>The application enhances current features of the Untappd app by providing opportunities to find new products, encouraging increased usage of the app</a:t>
+            </a:r>
           </a:p>
           <a:p>
             <a:r>
@@ -4158,9 +4171,12 @@
             </a:r>
           </a:p>
           <a:p>
-            <a:pPr lvl="1"/>
+            <a:pPr marL="914400" lvl="1" indent="-457200">
+              <a:buFont typeface="+mj-lt"/>
+              <a:buAutoNum type="arabicPeriod"/>
+            </a:pPr>
             <a:r>
-              <a:rPr lang="en-US" sz="2000" dirty="0">
+              <a:rPr lang="en-US" sz="1800" dirty="0">
                 <a:latin typeface="Open Sans" panose="020B0606030504020204" pitchFamily="34" charset="0"/>
                 <a:ea typeface="Open Sans" panose="020B0606030504020204" pitchFamily="34" charset="0"/>
                 <a:cs typeface="Open Sans" panose="020B0606030504020204" pitchFamily="34" charset="0"/>
@@ -4171,7 +4187,7 @@
           <a:p>
             <a:pPr lvl="2"/>
             <a:r>
-              <a:rPr lang="en-US" dirty="0">
+              <a:rPr lang="en-US" sz="1800" dirty="0">
                 <a:latin typeface="Open Sans" panose="020B0606030504020204" pitchFamily="34" charset="0"/>
                 <a:ea typeface="Open Sans" panose="020B0606030504020204" pitchFamily="34" charset="0"/>
                 <a:cs typeface="Open Sans" panose="020B0606030504020204" pitchFamily="34" charset="0"/>
@@ -4179,7 +4195,7 @@
               <a:t>Find better approach to search for </a:t>
             </a:r>
             <a:r>
-              <a:rPr lang="en-US" i="1" dirty="0" err="1">
+              <a:rPr lang="en-US" sz="1800" i="1" dirty="0" err="1">
                 <a:latin typeface="Open Sans" panose="020B0606030504020204" pitchFamily="34" charset="0"/>
                 <a:ea typeface="Open Sans" panose="020B0606030504020204" pitchFamily="34" charset="0"/>
                 <a:cs typeface="Open Sans" panose="020B0606030504020204" pitchFamily="34" charset="0"/>
@@ -4187,7 +4203,7 @@
               <a:t>min_ppu</a:t>
             </a:r>
             <a:r>
-              <a:rPr lang="en-US" dirty="0">
+              <a:rPr lang="en-US" sz="1800" dirty="0">
                 <a:latin typeface="Open Sans" panose="020B0606030504020204" pitchFamily="34" charset="0"/>
                 <a:ea typeface="Open Sans" panose="020B0606030504020204" pitchFamily="34" charset="0"/>
                 <a:cs typeface="Open Sans" panose="020B0606030504020204" pitchFamily="34" charset="0"/>
@@ -4195,7 +4211,7 @@
               <a:t> and </a:t>
             </a:r>
             <a:r>
-              <a:rPr lang="en-US" i="1" dirty="0" err="1">
+              <a:rPr lang="en-US" sz="1800" i="1" dirty="0" err="1">
                 <a:latin typeface="Open Sans" panose="020B0606030504020204" pitchFamily="34" charset="0"/>
                 <a:ea typeface="Open Sans" panose="020B0606030504020204" pitchFamily="34" charset="0"/>
                 <a:cs typeface="Open Sans" panose="020B0606030504020204" pitchFamily="34" charset="0"/>
@@ -4203,7 +4219,7 @@
               <a:t>n_users</a:t>
             </a:r>
             <a:r>
-              <a:rPr lang="en-US" i="1" dirty="0">
+              <a:rPr lang="en-US" sz="1800" i="1" dirty="0">
                 <a:latin typeface="Open Sans" panose="020B0606030504020204" pitchFamily="34" charset="0"/>
                 <a:ea typeface="Open Sans" panose="020B0606030504020204" pitchFamily="34" charset="0"/>
                 <a:cs typeface="Open Sans" panose="020B0606030504020204" pitchFamily="34" charset="0"/>
@@ -4211,7 +4227,7 @@
               <a:t> </a:t>
             </a:r>
             <a:r>
-              <a:rPr lang="en-US" dirty="0">
+              <a:rPr lang="en-US" sz="1800" dirty="0">
                 <a:latin typeface="Open Sans" panose="020B0606030504020204" pitchFamily="34" charset="0"/>
                 <a:ea typeface="Open Sans" panose="020B0606030504020204" pitchFamily="34" charset="0"/>
                 <a:cs typeface="Open Sans" panose="020B0606030504020204" pitchFamily="34" charset="0"/>
@@ -4220,31 +4236,37 @@
             </a:r>
           </a:p>
           <a:p>
-            <a:pPr lvl="1"/>
+            <a:pPr marL="914400" lvl="1" indent="-457200">
+              <a:buFont typeface="+mj-lt"/>
+              <a:buAutoNum type="arabicPeriod"/>
+            </a:pPr>
             <a:r>
-              <a:rPr lang="en-US" sz="2000" dirty="0">
+              <a:rPr lang="en-US" sz="1800" dirty="0">
                 <a:latin typeface="Open Sans" panose="020B0606030504020204" pitchFamily="34" charset="0"/>
                 <a:ea typeface="Open Sans" panose="020B0606030504020204" pitchFamily="34" charset="0"/>
                 <a:cs typeface="Open Sans" panose="020B0606030504020204" pitchFamily="34" charset="0"/>
               </a:rPr>
-              <a:t>Statistical Significance Testing</a:t>
+              <a:t>Comparison of Models</a:t>
             </a:r>
           </a:p>
           <a:p>
             <a:pPr lvl="2"/>
             <a:r>
-              <a:rPr lang="en-US" dirty="0">
+              <a:rPr lang="en-US" sz="1800" dirty="0">
                 <a:latin typeface="Open Sans" panose="020B0606030504020204" pitchFamily="34" charset="0"/>
                 <a:ea typeface="Open Sans" panose="020B0606030504020204" pitchFamily="34" charset="0"/>
                 <a:cs typeface="Open Sans" panose="020B0606030504020204" pitchFamily="34" charset="0"/>
               </a:rPr>
-              <a:t>Compare content-based filtering, collaborative filtering, and hybrid approaches </a:t>
+              <a:t>Compare content-based filtering, collaborative filtering, and hybrid approaches more thoroughly </a:t>
             </a:r>
           </a:p>
           <a:p>
-            <a:pPr lvl="1"/>
+            <a:pPr marL="914400" lvl="1" indent="-457200">
+              <a:buFont typeface="+mj-lt"/>
+              <a:buAutoNum type="arabicPeriod"/>
+            </a:pPr>
             <a:r>
-              <a:rPr lang="en-US" sz="2000" dirty="0">
+              <a:rPr lang="en-US" sz="1800" dirty="0">
                 <a:latin typeface="Open Sans" panose="020B0606030504020204" pitchFamily="34" charset="0"/>
                 <a:ea typeface="Open Sans" panose="020B0606030504020204" pitchFamily="34" charset="0"/>
                 <a:cs typeface="Open Sans" panose="020B0606030504020204" pitchFamily="34" charset="0"/>
@@ -4255,7 +4277,7 @@
           <a:p>
             <a:pPr lvl="2"/>
             <a:r>
-              <a:rPr lang="en-US" dirty="0">
+              <a:rPr lang="en-US" sz="1800" dirty="0">
                 <a:latin typeface="Open Sans" panose="020B0606030504020204" pitchFamily="34" charset="0"/>
                 <a:ea typeface="Open Sans" panose="020B0606030504020204" pitchFamily="34" charset="0"/>
                 <a:cs typeface="Open Sans" panose="020B0606030504020204" pitchFamily="34" charset="0"/>
@@ -4266,7 +4288,7 @@
           <a:p>
             <a:pPr lvl="2"/>
             <a:r>
-              <a:rPr lang="en-US" dirty="0">
+              <a:rPr lang="en-US" sz="1800" dirty="0">
                 <a:latin typeface="Open Sans" panose="020B0606030504020204" pitchFamily="34" charset="0"/>
                 <a:ea typeface="Open Sans" panose="020B0606030504020204" pitchFamily="34" charset="0"/>
                 <a:cs typeface="Open Sans" panose="020B0606030504020204" pitchFamily="34" charset="0"/>
@@ -4275,9 +4297,23 @@
             </a:r>
           </a:p>
           <a:p>
-            <a:pPr lvl="1"/>
+            <a:pPr lvl="2"/>
             <a:r>
-              <a:rPr lang="en-US" sz="2000" dirty="0">
+              <a:rPr lang="en-US" sz="1800" dirty="0">
+                <a:latin typeface="Open Sans" panose="020B0606030504020204" pitchFamily="34" charset="0"/>
+                <a:ea typeface="Open Sans" panose="020B0606030504020204" pitchFamily="34" charset="0"/>
+                <a:cs typeface="Open Sans" panose="020B0606030504020204" pitchFamily="34" charset="0"/>
+              </a:rPr>
+              <a:t>Add ability for user to save their model</a:t>
+            </a:r>
+          </a:p>
+          <a:p>
+            <a:pPr marL="914400" lvl="1" indent="-457200">
+              <a:buFont typeface="+mj-lt"/>
+              <a:buAutoNum type="arabicPeriod"/>
+            </a:pPr>
+            <a:r>
+              <a:rPr lang="en-US" sz="1800" dirty="0">
                 <a:latin typeface="Open Sans" panose="020B0606030504020204" pitchFamily="34" charset="0"/>
                 <a:ea typeface="Open Sans" panose="020B0606030504020204" pitchFamily="34" charset="0"/>
                 <a:cs typeface="Open Sans" panose="020B0606030504020204" pitchFamily="34" charset="0"/>
@@ -4288,7 +4324,7 @@
           <a:p>
             <a:pPr lvl="2"/>
             <a:r>
-              <a:rPr lang="en-US" dirty="0">
+              <a:rPr lang="en-US" sz="1800" dirty="0">
                 <a:latin typeface="Open Sans" panose="020B0606030504020204" pitchFamily="34" charset="0"/>
                 <a:ea typeface="Open Sans" panose="020B0606030504020204" pitchFamily="34" charset="0"/>
                 <a:cs typeface="Open Sans" panose="020B0606030504020204" pitchFamily="34" charset="0"/>
@@ -5477,7 +5513,7 @@
                 <a:ea typeface="Open Sans" panose="020B0606030504020204" pitchFamily="34" charset="0"/>
                 <a:cs typeface="Open Sans" panose="020B0606030504020204" pitchFamily="34" charset="0"/>
               </a:rPr>
-              <a:t>Comparison of Models </a:t>
+              <a:t>Comparison of Models  - CBF </a:t>
             </a:r>
             <a:endParaRPr kumimoji="0" lang="en-US" sz="1200" b="0" i="0" u="none" strike="noStrike" kern="1200" cap="none" spc="0" normalizeH="0" baseline="0" noProof="0" dirty="0">
               <a:ln>
@@ -5957,7 +5993,29 @@
                 <a:ea typeface="Open Sans" panose="020B0606030504020204" pitchFamily="34" charset="0"/>
                 <a:cs typeface="Open Sans" panose="020B0606030504020204" pitchFamily="34" charset="0"/>
               </a:rPr>
-              <a:t>Comparison of Models </a:t>
+              <a:t>Comparison of Models – </a:t>
+            </a:r>
+            <a:r>
+              <a:rPr lang="en-US" sz="1200" dirty="0" err="1">
+                <a:solidFill>
+                  <a:prstClr val="white"/>
+                </a:solidFill>
+                <a:latin typeface="Open Sans" panose="020B0606030504020204" pitchFamily="34" charset="0"/>
+                <a:ea typeface="Open Sans" panose="020B0606030504020204" pitchFamily="34" charset="0"/>
+                <a:cs typeface="Open Sans" panose="020B0606030504020204" pitchFamily="34" charset="0"/>
+              </a:rPr>
+              <a:t>CollabFilt</a:t>
+            </a:r>
+            <a:r>
+              <a:rPr lang="en-US" sz="1200" dirty="0">
+                <a:solidFill>
+                  <a:prstClr val="white"/>
+                </a:solidFill>
+                <a:latin typeface="Open Sans" panose="020B0606030504020204" pitchFamily="34" charset="0"/>
+                <a:ea typeface="Open Sans" panose="020B0606030504020204" pitchFamily="34" charset="0"/>
+                <a:cs typeface="Open Sans" panose="020B0606030504020204" pitchFamily="34" charset="0"/>
+              </a:rPr>
+              <a:t> </a:t>
             </a:r>
             <a:endParaRPr kumimoji="0" lang="en-US" sz="1200" b="0" i="0" u="none" strike="noStrike" kern="1200" cap="none" spc="0" normalizeH="0" baseline="0" noProof="0" dirty="0">
               <a:ln>
@@ -6348,6 +6406,17 @@
                 <a:cs typeface="Open Sans" panose="020B0606030504020204" pitchFamily="34" charset="0"/>
               </a:rPr>
               <a:t>Comparison of Models </a:t>
+            </a:r>
+            <a:r>
+              <a:rPr lang="en-US" sz="1200">
+                <a:solidFill>
+                  <a:prstClr val="white"/>
+                </a:solidFill>
+                <a:latin typeface="Open Sans" panose="020B0606030504020204" pitchFamily="34" charset="0"/>
+                <a:ea typeface="Open Sans" panose="020B0606030504020204" pitchFamily="34" charset="0"/>
+                <a:cs typeface="Open Sans" panose="020B0606030504020204" pitchFamily="34" charset="0"/>
+              </a:rPr>
+              <a:t>– Hybrid </a:t>
             </a:r>
             <a:endParaRPr kumimoji="0" lang="en-US" sz="1200" b="0" i="0" u="none" strike="noStrike" kern="1200" cap="none" spc="0" normalizeH="0" baseline="0" noProof="0" dirty="0">
               <a:ln>
@@ -9340,6 +9409,196 @@
           </a:p>
         </p:txBody>
       </p:sp>
+      <p:sp>
+        <p:nvSpPr>
+          <p:cNvPr id="3" name="Rectangle 2">
+            <a:extLst>
+              <a:ext uri="{FF2B5EF4-FFF2-40B4-BE49-F238E27FC236}">
+                <a16:creationId xmlns:a16="http://schemas.microsoft.com/office/drawing/2014/main" id="{DB67ED59-D6FE-40F8-AA7E-B754778C3AB8}"/>
+              </a:ext>
+            </a:extLst>
+          </p:cNvPr>
+          <p:cNvSpPr/>
+          <p:nvPr/>
+        </p:nvSpPr>
+        <p:spPr>
+          <a:xfrm>
+            <a:off x="7236645" y="5966057"/>
+            <a:ext cx="1395663" cy="354442"/>
+          </a:xfrm>
+          <a:prstGeom prst="rect">
+            <a:avLst/>
+          </a:prstGeom>
+          <a:solidFill>
+            <a:schemeClr val="bg1"/>
+          </a:solidFill>
+          <a:ln w="28575">
+            <a:solidFill>
+              <a:schemeClr val="accent6">
+                <a:lumMod val="40000"/>
+                <a:lumOff val="60000"/>
+              </a:schemeClr>
+            </a:solidFill>
+          </a:ln>
+        </p:spPr>
+        <p:style>
+          <a:lnRef idx="2">
+            <a:schemeClr val="accent1">
+              <a:shade val="50000"/>
+            </a:schemeClr>
+          </a:lnRef>
+          <a:fillRef idx="1">
+            <a:schemeClr val="accent1"/>
+          </a:fillRef>
+          <a:effectRef idx="0">
+            <a:schemeClr val="accent1"/>
+          </a:effectRef>
+          <a:fontRef idx="minor">
+            <a:schemeClr val="lt1"/>
+          </a:fontRef>
+        </p:style>
+        <p:txBody>
+          <a:bodyPr rtlCol="0" anchor="ctr"/>
+          <a:lstStyle/>
+          <a:p>
+            <a:pPr algn="ctr"/>
+            <a:r>
+              <a:rPr lang="en-US" sz="1600" b="1" dirty="0" err="1">
+                <a:solidFill>
+                  <a:schemeClr val="tx1"/>
+                </a:solidFill>
+                <a:latin typeface="Calibri" panose="020F0502020204030204" pitchFamily="34" charset="0"/>
+                <a:cs typeface="Calibri" panose="020F0502020204030204" pitchFamily="34" charset="0"/>
+              </a:rPr>
+              <a:t>BeerMe</a:t>
+            </a:r>
+            <a:r>
+              <a:rPr lang="en-US" sz="1600" b="1" dirty="0">
+                <a:solidFill>
+                  <a:schemeClr val="tx1"/>
+                </a:solidFill>
+                <a:latin typeface="Calibri" panose="020F0502020204030204" pitchFamily="34" charset="0"/>
+                <a:cs typeface="Calibri" panose="020F0502020204030204" pitchFamily="34" charset="0"/>
+              </a:rPr>
+              <a:t>*</a:t>
+            </a:r>
+          </a:p>
+        </p:txBody>
+      </p:sp>
+      <p:sp>
+        <p:nvSpPr>
+          <p:cNvPr id="41" name="Rectangle 40">
+            <a:extLst>
+              <a:ext uri="{FF2B5EF4-FFF2-40B4-BE49-F238E27FC236}">
+                <a16:creationId xmlns:a16="http://schemas.microsoft.com/office/drawing/2014/main" id="{F9C91FEB-262C-439A-A9B7-C3081BD91E52}"/>
+              </a:ext>
+            </a:extLst>
+          </p:cNvPr>
+          <p:cNvSpPr/>
+          <p:nvPr/>
+        </p:nvSpPr>
+        <p:spPr>
+          <a:xfrm>
+            <a:off x="8948315" y="1461638"/>
+            <a:ext cx="1395663" cy="354442"/>
+          </a:xfrm>
+          <a:prstGeom prst="rect">
+            <a:avLst/>
+          </a:prstGeom>
+          <a:solidFill>
+            <a:schemeClr val="bg1"/>
+          </a:solidFill>
+          <a:ln w="28575">
+            <a:solidFill>
+              <a:schemeClr val="accent6">
+                <a:lumMod val="40000"/>
+                <a:lumOff val="60000"/>
+              </a:schemeClr>
+            </a:solidFill>
+          </a:ln>
+        </p:spPr>
+        <p:style>
+          <a:lnRef idx="2">
+            <a:schemeClr val="accent1">
+              <a:shade val="50000"/>
+            </a:schemeClr>
+          </a:lnRef>
+          <a:fillRef idx="1">
+            <a:schemeClr val="accent1"/>
+          </a:fillRef>
+          <a:effectRef idx="0">
+            <a:schemeClr val="accent1"/>
+          </a:effectRef>
+          <a:fontRef idx="minor">
+            <a:schemeClr val="lt1"/>
+          </a:fontRef>
+        </p:style>
+        <p:txBody>
+          <a:bodyPr rot="0" spcFirstLastPara="0" vertOverflow="overflow" horzOverflow="overflow" vert="horz" wrap="square" lIns="91440" tIns="45720" rIns="91440" bIns="45720" numCol="1" spcCol="0" rtlCol="0" fromWordArt="0" anchor="ctr" anchorCtr="0" forceAA="0" compatLnSpc="1">
+            <a:prstTxWarp prst="textNoShape">
+              <a:avLst/>
+            </a:prstTxWarp>
+            <a:noAutofit/>
+          </a:bodyPr>
+          <a:lstStyle/>
+          <a:p>
+            <a:pPr algn="ctr"/>
+            <a:r>
+              <a:rPr lang="en-US" sz="1600" b="1" dirty="0" err="1">
+                <a:solidFill>
+                  <a:schemeClr val="tx1"/>
+                </a:solidFill>
+                <a:latin typeface="Calibri" panose="020F0502020204030204" pitchFamily="34" charset="0"/>
+                <a:cs typeface="Calibri" panose="020F0502020204030204" pitchFamily="34" charset="0"/>
+              </a:rPr>
+              <a:t>SenateGraph</a:t>
+            </a:r>
+            <a:endParaRPr lang="en-US" sz="1600" b="1" dirty="0">
+              <a:solidFill>
+                <a:schemeClr val="tx1"/>
+              </a:solidFill>
+              <a:latin typeface="Calibri" panose="020F0502020204030204" pitchFamily="34" charset="0"/>
+              <a:cs typeface="Calibri" panose="020F0502020204030204" pitchFamily="34" charset="0"/>
+            </a:endParaRPr>
+          </a:p>
+        </p:txBody>
+      </p:sp>
+      <p:sp>
+        <p:nvSpPr>
+          <p:cNvPr id="18" name="TextBox 17">
+            <a:extLst>
+              <a:ext uri="{FF2B5EF4-FFF2-40B4-BE49-F238E27FC236}">
+                <a16:creationId xmlns:a16="http://schemas.microsoft.com/office/drawing/2014/main" id="{4AFDBC36-6B7F-4AE5-A0B4-8B32F9DD4B55}"/>
+              </a:ext>
+            </a:extLst>
+          </p:cNvPr>
+          <p:cNvSpPr txBox="1"/>
+          <p:nvPr/>
+        </p:nvSpPr>
+        <p:spPr>
+          <a:xfrm>
+            <a:off x="9954073" y="6581223"/>
+            <a:ext cx="2228499" cy="276999"/>
+          </a:xfrm>
+          <a:prstGeom prst="rect">
+            <a:avLst/>
+          </a:prstGeom>
+          <a:noFill/>
+        </p:spPr>
+        <p:txBody>
+          <a:bodyPr wrap="square" rtlCol="0">
+            <a:spAutoFit/>
+          </a:bodyPr>
+          <a:lstStyle/>
+          <a:p>
+            <a:pPr algn="r"/>
+            <a:r>
+              <a:rPr lang="en-US" sz="1200" i="1" dirty="0"/>
+              <a:t>* Topic for today</a:t>
+            </a:r>
+          </a:p>
+        </p:txBody>
+      </p:sp>
     </p:spTree>
     <p:extLst>
       <p:ext uri="{BB962C8B-B14F-4D97-AF65-F5344CB8AC3E}">
@@ -11553,7 +11812,7 @@
           </a:ln>
           <a:extLst>
             <a:ext uri="{91240B29-F687-4f45-9708-019B960494DF}">
-              <a14:hiddenLine xmlns="" xmlns:a14="http://schemas.microsoft.com/office/drawing/2010/main" w="9525">
+              <a14:hiddenLine xmlns:a14="http://schemas.microsoft.com/office/drawing/2010/main" xmlns="" w="9525">
                 <a:solidFill>
                   <a:srgbClr val="000000"/>
                 </a:solidFill>
@@ -11705,7 +11964,7 @@
           </a:ln>
           <a:extLst>
             <a:ext uri="{91240B29-F687-4f45-9708-019B960494DF}">
-              <a14:hiddenLine xmlns="" xmlns:a14="http://schemas.microsoft.com/office/drawing/2010/main" w="9525">
+              <a14:hiddenLine xmlns:a14="http://schemas.microsoft.com/office/drawing/2010/main" xmlns="" w="9525">
                 <a:solidFill>
                   <a:srgbClr val="000000"/>
                 </a:solidFill>
@@ -11963,7 +12222,7 @@
           </a:ln>
           <a:extLst>
             <a:ext uri="{91240B29-F687-4f45-9708-019B960494DF}">
-              <a14:hiddenLine xmlns="" xmlns:a14="http://schemas.microsoft.com/office/drawing/2010/main" w="9525">
+              <a14:hiddenLine xmlns:a14="http://schemas.microsoft.com/office/drawing/2010/main" xmlns="" w="9525">
                 <a:solidFill>
                   <a:srgbClr val="000000"/>
                 </a:solidFill>
@@ -12168,7 +12427,7 @@
           </a:ln>
           <a:extLst>
             <a:ext uri="{91240B29-F687-4f45-9708-019B960494DF}">
-              <a14:hiddenLine xmlns="" xmlns:a14="http://schemas.microsoft.com/office/drawing/2010/main" w="9525">
+              <a14:hiddenLine xmlns:a14="http://schemas.microsoft.com/office/drawing/2010/main" xmlns="" w="9525">
                 <a:solidFill>
                   <a:srgbClr val="000000"/>
                 </a:solidFill>
@@ -16501,7 +16760,7 @@
               </a:ln>
               <a:extLst>
                 <a:ext uri="{91240B29-F687-4f45-9708-019B960494DF}">
-                  <a14:hiddenLine xmlns="" xmlns:a14="http://schemas.microsoft.com/office/drawing/2010/main" w="9525">
+                  <a14:hiddenLine xmlns:a14="http://schemas.microsoft.com/office/drawing/2010/main" xmlns="" w="9525">
                     <a:solidFill>
                       <a:srgbClr val="000000"/>
                     </a:solidFill>
@@ -18325,7 +18584,7 @@
               </a:ln>
               <a:extLst>
                 <a:ext uri="{91240B29-F687-4f45-9708-019B960494DF}">
-                  <a14:hiddenLine xmlns="" xmlns:a14="http://schemas.microsoft.com/office/drawing/2010/main" w="9525">
+                  <a14:hiddenLine xmlns:a14="http://schemas.microsoft.com/office/drawing/2010/main" xmlns="" w="9525">
                     <a:solidFill>
                       <a:srgbClr val="000000"/>
                     </a:solidFill>
@@ -19403,7 +19662,7 @@
                     </a:ln>
                     <a:extLst>
                       <a:ext uri="{91240B29-F687-4f45-9708-019B960494DF}">
-                        <a14:hiddenLine xmlns="" xmlns:a14="http://schemas.microsoft.com/office/drawing/2010/main" w="9525">
+                        <a14:hiddenLine xmlns:a14="http://schemas.microsoft.com/office/drawing/2010/main" xmlns="" w="9525">
                           <a:solidFill>
                             <a:srgbClr val="000000"/>
                           </a:solidFill>
@@ -20016,7 +20275,7 @@
                     </a:ln>
                     <a:extLst>
                       <a:ext uri="{91240B29-F687-4f45-9708-019B960494DF}">
-                        <a14:hiddenLine xmlns="" xmlns:a14="http://schemas.microsoft.com/office/drawing/2010/main" w="9525">
+                        <a14:hiddenLine xmlns:a14="http://schemas.microsoft.com/office/drawing/2010/main" xmlns="" w="9525">
                           <a:solidFill>
                             <a:srgbClr val="000000"/>
                           </a:solidFill>
@@ -20599,7 +20858,7 @@
                     </a:ln>
                     <a:extLst>
                       <a:ext uri="{91240B29-F687-4f45-9708-019B960494DF}">
-                        <a14:hiddenLine xmlns="" xmlns:a14="http://schemas.microsoft.com/office/drawing/2010/main" w="9525">
+                        <a14:hiddenLine xmlns:a14="http://schemas.microsoft.com/office/drawing/2010/main" xmlns="" w="9525">
                           <a:solidFill>
                             <a:srgbClr val="000000"/>
                           </a:solidFill>
@@ -22890,7 +23149,7 @@
                     </a:ln>
                     <a:extLst>
                       <a:ext uri="{91240B29-F687-4f45-9708-019B960494DF}">
-                        <a14:hiddenLine xmlns="" xmlns:a14="http://schemas.microsoft.com/office/drawing/2010/main" w="9525">
+                        <a14:hiddenLine xmlns:a14="http://schemas.microsoft.com/office/drawing/2010/main" xmlns="" w="9525">
                           <a:solidFill>
                             <a:srgbClr val="000000"/>
                           </a:solidFill>
@@ -23503,7 +23762,7 @@
                     </a:ln>
                     <a:extLst>
                       <a:ext uri="{91240B29-F687-4f45-9708-019B960494DF}">
-                        <a14:hiddenLine xmlns="" xmlns:a14="http://schemas.microsoft.com/office/drawing/2010/main" w="9525">
+                        <a14:hiddenLine xmlns:a14="http://schemas.microsoft.com/office/drawing/2010/main" xmlns="" w="9525">
                           <a:solidFill>
                             <a:srgbClr val="000000"/>
                           </a:solidFill>
@@ -24086,7 +24345,7 @@
                     </a:ln>
                     <a:extLst>
                       <a:ext uri="{91240B29-F687-4f45-9708-019B960494DF}">
-                        <a14:hiddenLine xmlns="" xmlns:a14="http://schemas.microsoft.com/office/drawing/2010/main" w="9525">
+                        <a14:hiddenLine xmlns:a14="http://schemas.microsoft.com/office/drawing/2010/main" xmlns="" w="9525">
                           <a:solidFill>
                             <a:srgbClr val="000000"/>
                           </a:solidFill>
@@ -25360,7 +25619,7 @@
                 </a:ln>
                 <a:extLst>
                   <a:ext uri="{91240B29-F687-4f45-9708-019B960494DF}">
-                    <a14:hiddenLine xmlns="" xmlns:a14="http://schemas.microsoft.com/office/drawing/2010/main" w="9525">
+                    <a14:hiddenLine xmlns:a14="http://schemas.microsoft.com/office/drawing/2010/main" xmlns="" w="9525">
                       <a:solidFill>
                         <a:srgbClr val="000000"/>
                       </a:solidFill>

--- a/BeerMe.pptx
+++ b/BeerMe.pptx
@@ -223,7 +223,7 @@
           <a:p>
             <a:fld id="{8A2B22A4-66C0-422D-A2B2-F5D587095C8E}" type="datetimeFigureOut">
               <a:rPr lang="en-US" smtClean="0"/>
-              <a:t>11/7/2019</a:t>
+              <a:t>11/8/2019</a:t>
             </a:fld>
             <a:endParaRPr lang="en-US"/>
           </a:p>
@@ -637,7 +637,7 @@
           <a:p>
             <a:fld id="{763A4A7A-A489-4449-82D3-90E4AF63691E}" type="datetimeFigureOut">
               <a:rPr lang="en-US" smtClean="0"/>
-              <a:t>11/7/2019</a:t>
+              <a:t>11/8/2019</a:t>
             </a:fld>
             <a:endParaRPr lang="en-US"/>
           </a:p>
@@ -835,7 +835,7 @@
           <a:p>
             <a:fld id="{763A4A7A-A489-4449-82D3-90E4AF63691E}" type="datetimeFigureOut">
               <a:rPr lang="en-US" smtClean="0"/>
-              <a:t>11/7/2019</a:t>
+              <a:t>11/8/2019</a:t>
             </a:fld>
             <a:endParaRPr lang="en-US"/>
           </a:p>
@@ -1043,7 +1043,7 @@
           <a:p>
             <a:fld id="{763A4A7A-A489-4449-82D3-90E4AF63691E}" type="datetimeFigureOut">
               <a:rPr lang="en-US" smtClean="0"/>
-              <a:t>11/7/2019</a:t>
+              <a:t>11/8/2019</a:t>
             </a:fld>
             <a:endParaRPr lang="en-US"/>
           </a:p>
@@ -1241,7 +1241,7 @@
           <a:p>
             <a:fld id="{763A4A7A-A489-4449-82D3-90E4AF63691E}" type="datetimeFigureOut">
               <a:rPr lang="en-US" smtClean="0"/>
-              <a:t>11/7/2019</a:t>
+              <a:t>11/8/2019</a:t>
             </a:fld>
             <a:endParaRPr lang="en-US"/>
           </a:p>
@@ -1516,7 +1516,7 @@
           <a:p>
             <a:fld id="{763A4A7A-A489-4449-82D3-90E4AF63691E}" type="datetimeFigureOut">
               <a:rPr lang="en-US" smtClean="0"/>
-              <a:t>11/7/2019</a:t>
+              <a:t>11/8/2019</a:t>
             </a:fld>
             <a:endParaRPr lang="en-US"/>
           </a:p>
@@ -1781,7 +1781,7 @@
           <a:p>
             <a:fld id="{763A4A7A-A489-4449-82D3-90E4AF63691E}" type="datetimeFigureOut">
               <a:rPr lang="en-US" smtClean="0"/>
-              <a:t>11/7/2019</a:t>
+              <a:t>11/8/2019</a:t>
             </a:fld>
             <a:endParaRPr lang="en-US"/>
           </a:p>
@@ -2193,7 +2193,7 @@
           <a:p>
             <a:fld id="{763A4A7A-A489-4449-82D3-90E4AF63691E}" type="datetimeFigureOut">
               <a:rPr lang="en-US" smtClean="0"/>
-              <a:t>11/7/2019</a:t>
+              <a:t>11/8/2019</a:t>
             </a:fld>
             <a:endParaRPr lang="en-US"/>
           </a:p>
@@ -2334,7 +2334,7 @@
           <a:p>
             <a:fld id="{763A4A7A-A489-4449-82D3-90E4AF63691E}" type="datetimeFigureOut">
               <a:rPr lang="en-US" smtClean="0"/>
-              <a:t>11/7/2019</a:t>
+              <a:t>11/8/2019</a:t>
             </a:fld>
             <a:endParaRPr lang="en-US"/>
           </a:p>
@@ -2447,7 +2447,7 @@
           <a:p>
             <a:fld id="{763A4A7A-A489-4449-82D3-90E4AF63691E}" type="datetimeFigureOut">
               <a:rPr lang="en-US" smtClean="0"/>
-              <a:t>11/7/2019</a:t>
+              <a:t>11/8/2019</a:t>
             </a:fld>
             <a:endParaRPr lang="en-US"/>
           </a:p>
@@ -2758,7 +2758,7 @@
           <a:p>
             <a:fld id="{763A4A7A-A489-4449-82D3-90E4AF63691E}" type="datetimeFigureOut">
               <a:rPr lang="en-US" smtClean="0"/>
-              <a:t>11/7/2019</a:t>
+              <a:t>11/8/2019</a:t>
             </a:fld>
             <a:endParaRPr lang="en-US"/>
           </a:p>
@@ -3046,7 +3046,7 @@
           <a:p>
             <a:fld id="{763A4A7A-A489-4449-82D3-90E4AF63691E}" type="datetimeFigureOut">
               <a:rPr lang="en-US" smtClean="0"/>
-              <a:t>11/7/2019</a:t>
+              <a:t>11/8/2019</a:t>
             </a:fld>
             <a:endParaRPr lang="en-US"/>
           </a:p>
@@ -3287,7 +3287,7 @@
           <a:p>
             <a:fld id="{763A4A7A-A489-4449-82D3-90E4AF63691E}" type="datetimeFigureOut">
               <a:rPr lang="en-US" smtClean="0"/>
-              <a:t>11/7/2019</a:t>
+              <a:t>11/8/2019</a:t>
             </a:fld>
             <a:endParaRPr lang="en-US"/>
           </a:p>
@@ -4130,7 +4130,7 @@
           <a:lstStyle/>
           <a:p>
             <a:r>
-              <a:rPr lang="en-US" sz="2400" dirty="0">
+              <a:rPr lang="en-US" sz="2400" b="1" dirty="0">
                 <a:latin typeface="Open Sans" panose="020B0606030504020204" pitchFamily="34" charset="0"/>
                 <a:ea typeface="Open Sans" panose="020B0606030504020204" pitchFamily="34" charset="0"/>
                 <a:cs typeface="Open Sans" panose="020B0606030504020204" pitchFamily="34" charset="0"/>
@@ -4162,12 +4162,119 @@
           </a:p>
           <a:p>
             <a:r>
-              <a:rPr lang="en-US" sz="2400" dirty="0">
+              <a:rPr lang="en-US" sz="2400" b="1" dirty="0">
                 <a:latin typeface="Open Sans" panose="020B0606030504020204" pitchFamily="34" charset="0"/>
                 <a:ea typeface="Open Sans" panose="020B0606030504020204" pitchFamily="34" charset="0"/>
                 <a:cs typeface="Open Sans" panose="020B0606030504020204" pitchFamily="34" charset="0"/>
               </a:rPr>
-              <a:t>Next Steps </a:t>
+              <a:t>Next Steps</a:t>
+            </a:r>
+            <a:endParaRPr lang="en-US" sz="2000" b="1" dirty="0">
+              <a:latin typeface="Open Sans" panose="020B0606030504020204" pitchFamily="34" charset="0"/>
+              <a:ea typeface="Open Sans" panose="020B0606030504020204" pitchFamily="34" charset="0"/>
+              <a:cs typeface="Open Sans" panose="020B0606030504020204" pitchFamily="34" charset="0"/>
+            </a:endParaRPr>
+          </a:p>
+          <a:p>
+            <a:pPr marL="914400" lvl="1" indent="-457200">
+              <a:buFont typeface="+mj-lt"/>
+              <a:buAutoNum type="arabicPeriod"/>
+            </a:pPr>
+            <a:r>
+              <a:rPr lang="en-US" sz="1800" b="1" dirty="0">
+                <a:latin typeface="Open Sans" panose="020B0606030504020204" pitchFamily="34" charset="0"/>
+                <a:ea typeface="Open Sans" panose="020B0606030504020204" pitchFamily="34" charset="0"/>
+                <a:cs typeface="Open Sans" panose="020B0606030504020204" pitchFamily="34" charset="0"/>
+              </a:rPr>
+              <a:t>Create Customized User Experience for Different User Personas </a:t>
+            </a:r>
+          </a:p>
+          <a:p>
+            <a:pPr lvl="2"/>
+            <a:r>
+              <a:rPr lang="en-US" sz="1800" i="1" dirty="0">
+                <a:latin typeface="Open Sans" panose="020B0606030504020204" pitchFamily="34" charset="0"/>
+                <a:ea typeface="Open Sans" panose="020B0606030504020204" pitchFamily="34" charset="0"/>
+                <a:cs typeface="Open Sans" panose="020B0606030504020204" pitchFamily="34" charset="0"/>
+              </a:rPr>
+              <a:t>“Standard” Untappd User</a:t>
+            </a:r>
+          </a:p>
+          <a:p>
+            <a:pPr lvl="3"/>
+            <a:r>
+              <a:rPr lang="en-US" dirty="0">
+                <a:latin typeface="Open Sans" panose="020B0606030504020204" pitchFamily="34" charset="0"/>
+                <a:ea typeface="Open Sans" panose="020B0606030504020204" pitchFamily="34" charset="0"/>
+                <a:cs typeface="Open Sans" panose="020B0606030504020204" pitchFamily="34" charset="0"/>
+              </a:rPr>
+              <a:t>Automated Model Building</a:t>
+            </a:r>
+          </a:p>
+          <a:p>
+            <a:pPr lvl="4"/>
+            <a:r>
+              <a:rPr lang="en-US" dirty="0">
+                <a:latin typeface="Open Sans" panose="020B0606030504020204" pitchFamily="34" charset="0"/>
+                <a:ea typeface="Open Sans" panose="020B0606030504020204" pitchFamily="34" charset="0"/>
+                <a:cs typeface="Open Sans" panose="020B0606030504020204" pitchFamily="34" charset="0"/>
+              </a:rPr>
+              <a:t>Automate Hybrid Approach Hyperparameter Tuning</a:t>
+            </a:r>
+          </a:p>
+          <a:p>
+            <a:pPr lvl="4"/>
+            <a:r>
+              <a:rPr lang="en-US" dirty="0">
+                <a:latin typeface="Open Sans" panose="020B0606030504020204" pitchFamily="34" charset="0"/>
+                <a:ea typeface="Open Sans" panose="020B0606030504020204" pitchFamily="34" charset="0"/>
+                <a:cs typeface="Open Sans" panose="020B0606030504020204" pitchFamily="34" charset="0"/>
+              </a:rPr>
+              <a:t>Compare Models</a:t>
+            </a:r>
+          </a:p>
+          <a:p>
+            <a:pPr lvl="2"/>
+            <a:r>
+              <a:rPr lang="en-US" sz="1800" i="1" dirty="0">
+                <a:latin typeface="Open Sans" panose="020B0606030504020204" pitchFamily="34" charset="0"/>
+                <a:ea typeface="Open Sans" panose="020B0606030504020204" pitchFamily="34" charset="0"/>
+                <a:cs typeface="Open Sans" panose="020B0606030504020204" pitchFamily="34" charset="0"/>
+              </a:rPr>
+              <a:t>“ML-Familiar” Untappd User</a:t>
+            </a:r>
+          </a:p>
+          <a:p>
+            <a:pPr lvl="3"/>
+            <a:r>
+              <a:rPr lang="en-US" dirty="0">
+                <a:latin typeface="Open Sans" panose="020B0606030504020204" pitchFamily="34" charset="0"/>
+                <a:ea typeface="Open Sans" panose="020B0606030504020204" pitchFamily="34" charset="0"/>
+                <a:cs typeface="Open Sans" panose="020B0606030504020204" pitchFamily="34" charset="0"/>
+              </a:rPr>
+              <a:t>Build and Save Personal Models</a:t>
+            </a:r>
+          </a:p>
+          <a:p>
+            <a:pPr lvl="2"/>
+            <a:r>
+              <a:rPr lang="en-US" sz="1800" i="1" dirty="0">
+                <a:latin typeface="Open Sans" panose="020B0606030504020204" pitchFamily="34" charset="0"/>
+                <a:ea typeface="Open Sans" panose="020B0606030504020204" pitchFamily="34" charset="0"/>
+                <a:cs typeface="Open Sans" panose="020B0606030504020204" pitchFamily="34" charset="0"/>
+              </a:rPr>
+              <a:t>Untappd Non-Users</a:t>
+            </a:r>
+          </a:p>
+          <a:p>
+            <a:pPr lvl="3"/>
+            <a:r>
+              <a:rPr lang="en-US" dirty="0">
+                <a:latin typeface="Open Sans" panose="020B0606030504020204" pitchFamily="34" charset="0"/>
+                <a:ea typeface="Open Sans" panose="020B0606030504020204" pitchFamily="34" charset="0"/>
+                <a:cs typeface="Open Sans" panose="020B0606030504020204" pitchFamily="34" charset="0"/>
+              </a:rPr>
+              <a:t>Use Heuristic, Global Taste Preferences, or simple “sign-up” questions</a:t>
             </a:r>
           </a:p>
           <a:p>
@@ -4176,149 +4283,12 @@
               <a:buAutoNum type="arabicPeriod"/>
             </a:pPr>
             <a:r>
-              <a:rPr lang="en-US" sz="1800" dirty="0">
+              <a:rPr lang="en-US" sz="1800" b="1" dirty="0">
                 <a:latin typeface="Open Sans" panose="020B0606030504020204" pitchFamily="34" charset="0"/>
                 <a:ea typeface="Open Sans" panose="020B0606030504020204" pitchFamily="34" charset="0"/>
                 <a:cs typeface="Open Sans" panose="020B0606030504020204" pitchFamily="34" charset="0"/>
               </a:rPr>
-              <a:t>Hybrid Approach</a:t>
-            </a:r>
-          </a:p>
-          <a:p>
-            <a:pPr lvl="2"/>
-            <a:r>
-              <a:rPr lang="en-US" sz="1800" dirty="0">
-                <a:latin typeface="Open Sans" panose="020B0606030504020204" pitchFamily="34" charset="0"/>
-                <a:ea typeface="Open Sans" panose="020B0606030504020204" pitchFamily="34" charset="0"/>
-                <a:cs typeface="Open Sans" panose="020B0606030504020204" pitchFamily="34" charset="0"/>
-              </a:rPr>
-              <a:t>Find better approach to search for </a:t>
-            </a:r>
-            <a:r>
-              <a:rPr lang="en-US" sz="1800" i="1" dirty="0" err="1">
-                <a:latin typeface="Open Sans" panose="020B0606030504020204" pitchFamily="34" charset="0"/>
-                <a:ea typeface="Open Sans" panose="020B0606030504020204" pitchFamily="34" charset="0"/>
-                <a:cs typeface="Open Sans" panose="020B0606030504020204" pitchFamily="34" charset="0"/>
-              </a:rPr>
-              <a:t>min_ppu</a:t>
-            </a:r>
-            <a:r>
-              <a:rPr lang="en-US" sz="1800" dirty="0">
-                <a:latin typeface="Open Sans" panose="020B0606030504020204" pitchFamily="34" charset="0"/>
-                <a:ea typeface="Open Sans" panose="020B0606030504020204" pitchFamily="34" charset="0"/>
-                <a:cs typeface="Open Sans" panose="020B0606030504020204" pitchFamily="34" charset="0"/>
-              </a:rPr>
-              <a:t> and </a:t>
-            </a:r>
-            <a:r>
-              <a:rPr lang="en-US" sz="1800" i="1" dirty="0" err="1">
-                <a:latin typeface="Open Sans" panose="020B0606030504020204" pitchFamily="34" charset="0"/>
-                <a:ea typeface="Open Sans" panose="020B0606030504020204" pitchFamily="34" charset="0"/>
-                <a:cs typeface="Open Sans" panose="020B0606030504020204" pitchFamily="34" charset="0"/>
-              </a:rPr>
-              <a:t>n_users</a:t>
-            </a:r>
-            <a:r>
-              <a:rPr lang="en-US" sz="1800" i="1" dirty="0">
-                <a:latin typeface="Open Sans" panose="020B0606030504020204" pitchFamily="34" charset="0"/>
-                <a:ea typeface="Open Sans" panose="020B0606030504020204" pitchFamily="34" charset="0"/>
-                <a:cs typeface="Open Sans" panose="020B0606030504020204" pitchFamily="34" charset="0"/>
-              </a:rPr>
-              <a:t> </a:t>
-            </a:r>
-            <a:r>
-              <a:rPr lang="en-US" sz="1800" dirty="0">
-                <a:latin typeface="Open Sans" panose="020B0606030504020204" pitchFamily="34" charset="0"/>
-                <a:ea typeface="Open Sans" panose="020B0606030504020204" pitchFamily="34" charset="0"/>
-                <a:cs typeface="Open Sans" panose="020B0606030504020204" pitchFamily="34" charset="0"/>
-              </a:rPr>
-              <a:t>while also increasing speed of model training</a:t>
-            </a:r>
-          </a:p>
-          <a:p>
-            <a:pPr marL="914400" lvl="1" indent="-457200">
-              <a:buFont typeface="+mj-lt"/>
-              <a:buAutoNum type="arabicPeriod"/>
-            </a:pPr>
-            <a:r>
-              <a:rPr lang="en-US" sz="1800" dirty="0">
-                <a:latin typeface="Open Sans" panose="020B0606030504020204" pitchFamily="34" charset="0"/>
-                <a:ea typeface="Open Sans" panose="020B0606030504020204" pitchFamily="34" charset="0"/>
-                <a:cs typeface="Open Sans" panose="020B0606030504020204" pitchFamily="34" charset="0"/>
-              </a:rPr>
-              <a:t>Comparison of Models</a:t>
-            </a:r>
-          </a:p>
-          <a:p>
-            <a:pPr lvl="2"/>
-            <a:r>
-              <a:rPr lang="en-US" sz="1800" dirty="0">
-                <a:latin typeface="Open Sans" panose="020B0606030504020204" pitchFamily="34" charset="0"/>
-                <a:ea typeface="Open Sans" panose="020B0606030504020204" pitchFamily="34" charset="0"/>
-                <a:cs typeface="Open Sans" panose="020B0606030504020204" pitchFamily="34" charset="0"/>
-              </a:rPr>
-              <a:t>Compare content-based filtering, collaborative filtering, and hybrid approaches more thoroughly </a:t>
-            </a:r>
-          </a:p>
-          <a:p>
-            <a:pPr marL="914400" lvl="1" indent="-457200">
-              <a:buFont typeface="+mj-lt"/>
-              <a:buAutoNum type="arabicPeriod"/>
-            </a:pPr>
-            <a:r>
-              <a:rPr lang="en-US" sz="1800" dirty="0">
-                <a:latin typeface="Open Sans" panose="020B0606030504020204" pitchFamily="34" charset="0"/>
-                <a:ea typeface="Open Sans" panose="020B0606030504020204" pitchFamily="34" charset="0"/>
-                <a:cs typeface="Open Sans" panose="020B0606030504020204" pitchFamily="34" charset="0"/>
-              </a:rPr>
-              <a:t>Front-End Changes</a:t>
-            </a:r>
-          </a:p>
-          <a:p>
-            <a:pPr lvl="2"/>
-            <a:r>
-              <a:rPr lang="en-US" sz="1800" dirty="0">
-                <a:latin typeface="Open Sans" panose="020B0606030504020204" pitchFamily="34" charset="0"/>
-                <a:ea typeface="Open Sans" panose="020B0606030504020204" pitchFamily="34" charset="0"/>
-                <a:cs typeface="Open Sans" panose="020B0606030504020204" pitchFamily="34" charset="0"/>
-              </a:rPr>
-              <a:t>Clean up front-end for application</a:t>
-            </a:r>
-          </a:p>
-          <a:p>
-            <a:pPr lvl="2"/>
-            <a:r>
-              <a:rPr lang="en-US" sz="1800" dirty="0">
-                <a:latin typeface="Open Sans" panose="020B0606030504020204" pitchFamily="34" charset="0"/>
-                <a:ea typeface="Open Sans" panose="020B0606030504020204" pitchFamily="34" charset="0"/>
-                <a:cs typeface="Open Sans" panose="020B0606030504020204" pitchFamily="34" charset="0"/>
-              </a:rPr>
-              <a:t>Add ability for users without username to interact with app</a:t>
-            </a:r>
-          </a:p>
-          <a:p>
-            <a:pPr lvl="2"/>
-            <a:r>
-              <a:rPr lang="en-US" sz="1800" dirty="0">
-                <a:latin typeface="Open Sans" panose="020B0606030504020204" pitchFamily="34" charset="0"/>
-                <a:ea typeface="Open Sans" panose="020B0606030504020204" pitchFamily="34" charset="0"/>
-                <a:cs typeface="Open Sans" panose="020B0606030504020204" pitchFamily="34" charset="0"/>
-              </a:rPr>
-              <a:t>Add ability for user to save their model</a:t>
-            </a:r>
-          </a:p>
-          <a:p>
-            <a:pPr marL="914400" lvl="1" indent="-457200">
-              <a:buFont typeface="+mj-lt"/>
-              <a:buAutoNum type="arabicPeriod"/>
-            </a:pPr>
-            <a:r>
-              <a:rPr lang="en-US" sz="1800" dirty="0">
-                <a:latin typeface="Open Sans" panose="020B0606030504020204" pitchFamily="34" charset="0"/>
-                <a:ea typeface="Open Sans" panose="020B0606030504020204" pitchFamily="34" charset="0"/>
-                <a:cs typeface="Open Sans" panose="020B0606030504020204" pitchFamily="34" charset="0"/>
-              </a:rPr>
-              <a:t>Clustering</a:t>
+              <a:t>Create Taste Profiles</a:t>
             </a:r>
           </a:p>
           <a:p>
@@ -9643,7 +9613,7 @@
         </p:nvSpPr>
         <p:spPr>
           <a:xfrm>
-            <a:off x="7202842" y="935392"/>
+            <a:off x="7202842" y="909991"/>
             <a:ext cx="4750344" cy="3172554"/>
           </a:xfrm>
           <a:prstGeom prst="rect">
@@ -9731,7 +9701,7 @@
                 <a:ea typeface="Open Sans" panose="020B0606030504020204" pitchFamily="34" charset="0"/>
                 <a:cs typeface="Open Sans" panose="020B0606030504020204" pitchFamily="34" charset="0"/>
               </a:rPr>
-              <a:t>Imbedding recommendation systems into user-focused applications enables organizations to increase their customer experience and provide unique functionality in highly competitive markets. </a:t>
+              <a:t>Integrating recommendation systems into user-focused applications enables organizations to increase their customer experience and provide unique functionality in highly competitive markets. </a:t>
             </a:r>
           </a:p>
         </p:txBody>
@@ -10171,8 +10141,8 @@
         </p:nvSpPr>
         <p:spPr>
           <a:xfrm>
-            <a:off x="7202841" y="4253068"/>
-            <a:ext cx="4750345" cy="2498694"/>
+            <a:off x="7202841" y="4116413"/>
+            <a:ext cx="4750345" cy="2694618"/>
           </a:xfrm>
           <a:prstGeom prst="rect">
             <a:avLst/>
@@ -10233,17 +10203,6 @@
           </a:p>
           <a:p>
             <a:r>
-              <a:rPr lang="en-US" sz="1400" dirty="0" err="1">
-                <a:solidFill>
-                  <a:schemeClr val="tx1"/>
-                </a:solidFill>
-                <a:latin typeface="Open Sans" panose="020B0606030504020204" pitchFamily="34" charset="0"/>
-                <a:ea typeface="Open Sans" panose="020B0606030504020204" pitchFamily="34" charset="0"/>
-                <a:cs typeface="Open Sans" panose="020B0606030504020204" pitchFamily="34" charset="0"/>
-              </a:rPr>
-              <a:t>Untappd</a:t>
-            </a:r>
-            <a:r>
               <a:rPr lang="en-US" sz="1400" dirty="0">
                 <a:solidFill>
                   <a:schemeClr val="tx1"/>
@@ -10252,7 +10211,7 @@
                 <a:ea typeface="Open Sans" panose="020B0606030504020204" pitchFamily="34" charset="0"/>
                 <a:cs typeface="Open Sans" panose="020B0606030504020204" pitchFamily="34" charset="0"/>
               </a:rPr>
-              <a:t> is a social networking / technology company that allows its users to check into venues, rate beers, and interact with friends on its app. </a:t>
+              <a:t>Untappd is a social networking / technology company that allows its users to check into venues, rate beers, and interact with friends on its app. Currently, users are able to rate beers that they have already tried. </a:t>
             </a:r>
           </a:p>
           <a:p>
@@ -10267,7 +10226,7 @@
           </a:p>
           <a:p>
             <a:r>
-              <a:rPr lang="en-US" sz="1400" dirty="0">
+              <a:rPr lang="en-US" sz="1400" b="1" dirty="0">
                 <a:solidFill>
                   <a:schemeClr val="tx1"/>
                 </a:solidFill>
@@ -10275,7 +10234,7 @@
                 <a:ea typeface="Open Sans" panose="020B0606030504020204" pitchFamily="34" charset="0"/>
                 <a:cs typeface="Open Sans" panose="020B0606030504020204" pitchFamily="34" charset="0"/>
               </a:rPr>
-              <a:t>Currently, users are able to rate beers that they have already tried, but the app lacks the functionality to suggest and/or predict the ratings of one or more beers that a user may be interested in but has never tried.</a:t>
+              <a:t>Currently, Untappd lacks the functionality provide recommendations on new items for its users. Thus, a user’s experience is not personalized. </a:t>
             </a:r>
           </a:p>
         </p:txBody>
@@ -10720,7 +10679,29 @@
                 <a:ea typeface="Open Sans" panose="020B0606030504020204" pitchFamily="34" charset="0"/>
                 <a:cs typeface="Open Sans" panose="020B0606030504020204" pitchFamily="34" charset="0"/>
               </a:rPr>
-              <a:t> app/website, several recommendation system techniques were explored. Using these techniques, the application allows users to Rate, Rank, and Suggest. These modules predict the rating of a specific beer, rank a list of beers that a user may be interested in trying, and suggest a new beer that they user may never have seen before, respectively. </a:t>
+              <a:t> app/website, several recommendation system techniques were explored. Using these techniques, the application allows users to </a:t>
+            </a:r>
+            <a:r>
+              <a:rPr lang="en-US" sz="1400" b="1" dirty="0">
+                <a:solidFill>
+                  <a:schemeClr val="tx1"/>
+                </a:solidFill>
+                <a:latin typeface="Open Sans" panose="020B0606030504020204" pitchFamily="34" charset="0"/>
+                <a:ea typeface="Open Sans" panose="020B0606030504020204" pitchFamily="34" charset="0"/>
+                <a:cs typeface="Open Sans" panose="020B0606030504020204" pitchFamily="34" charset="0"/>
+              </a:rPr>
+              <a:t>Rate, Rank, and Suggest.</a:t>
+            </a:r>
+            <a:r>
+              <a:rPr lang="en-US" sz="1400" dirty="0">
+                <a:solidFill>
+                  <a:schemeClr val="tx1"/>
+                </a:solidFill>
+                <a:latin typeface="Open Sans" panose="020B0606030504020204" pitchFamily="34" charset="0"/>
+                <a:ea typeface="Open Sans" panose="020B0606030504020204" pitchFamily="34" charset="0"/>
+                <a:cs typeface="Open Sans" panose="020B0606030504020204" pitchFamily="34" charset="0"/>
+              </a:rPr>
+              <a:t> These modules predict the rating of a specific beer, rank a list of beers that a user may be interested in trying, and suggest a new beer that they user may never have seen before, respectively. </a:t>
             </a:r>
           </a:p>
         </p:txBody>
@@ -11812,7 +11793,7 @@
           </a:ln>
           <a:extLst>
             <a:ext uri="{91240B29-F687-4f45-9708-019B960494DF}">
-              <a14:hiddenLine xmlns:a14="http://schemas.microsoft.com/office/drawing/2010/main" xmlns="" w="9525">
+              <a14:hiddenLine xmlns="" xmlns:a14="http://schemas.microsoft.com/office/drawing/2010/main" w="9525">
                 <a:solidFill>
                   <a:srgbClr val="000000"/>
                 </a:solidFill>
@@ -11964,7 +11945,7 @@
           </a:ln>
           <a:extLst>
             <a:ext uri="{91240B29-F687-4f45-9708-019B960494DF}">
-              <a14:hiddenLine xmlns:a14="http://schemas.microsoft.com/office/drawing/2010/main" xmlns="" w="9525">
+              <a14:hiddenLine xmlns="" xmlns:a14="http://schemas.microsoft.com/office/drawing/2010/main" w="9525">
                 <a:solidFill>
                   <a:srgbClr val="000000"/>
                 </a:solidFill>
@@ -12222,7 +12203,7 @@
           </a:ln>
           <a:extLst>
             <a:ext uri="{91240B29-F687-4f45-9708-019B960494DF}">
-              <a14:hiddenLine xmlns:a14="http://schemas.microsoft.com/office/drawing/2010/main" xmlns="" w="9525">
+              <a14:hiddenLine xmlns="" xmlns:a14="http://schemas.microsoft.com/office/drawing/2010/main" w="9525">
                 <a:solidFill>
                   <a:srgbClr val="000000"/>
                 </a:solidFill>
@@ -12427,7 +12408,7 @@
           </a:ln>
           <a:extLst>
             <a:ext uri="{91240B29-F687-4f45-9708-019B960494DF}">
-              <a14:hiddenLine xmlns:a14="http://schemas.microsoft.com/office/drawing/2010/main" xmlns="" w="9525">
+              <a14:hiddenLine xmlns="" xmlns:a14="http://schemas.microsoft.com/office/drawing/2010/main" w="9525">
                 <a:solidFill>
                   <a:srgbClr val="000000"/>
                 </a:solidFill>
@@ -16760,7 +16741,7 @@
               </a:ln>
               <a:extLst>
                 <a:ext uri="{91240B29-F687-4f45-9708-019B960494DF}">
-                  <a14:hiddenLine xmlns:a14="http://schemas.microsoft.com/office/drawing/2010/main" xmlns="" w="9525">
+                  <a14:hiddenLine xmlns="" xmlns:a14="http://schemas.microsoft.com/office/drawing/2010/main" w="9525">
                     <a:solidFill>
                       <a:srgbClr val="000000"/>
                     </a:solidFill>
@@ -18584,7 +18565,7 @@
               </a:ln>
               <a:extLst>
                 <a:ext uri="{91240B29-F687-4f45-9708-019B960494DF}">
-                  <a14:hiddenLine xmlns:a14="http://schemas.microsoft.com/office/drawing/2010/main" xmlns="" w="9525">
+                  <a14:hiddenLine xmlns="" xmlns:a14="http://schemas.microsoft.com/office/drawing/2010/main" w="9525">
                     <a:solidFill>
                       <a:srgbClr val="000000"/>
                     </a:solidFill>
@@ -19662,7 +19643,7 @@
                     </a:ln>
                     <a:extLst>
                       <a:ext uri="{91240B29-F687-4f45-9708-019B960494DF}">
-                        <a14:hiddenLine xmlns:a14="http://schemas.microsoft.com/office/drawing/2010/main" xmlns="" w="9525">
+                        <a14:hiddenLine xmlns="" xmlns:a14="http://schemas.microsoft.com/office/drawing/2010/main" w="9525">
                           <a:solidFill>
                             <a:srgbClr val="000000"/>
                           </a:solidFill>
@@ -20275,7 +20256,7 @@
                     </a:ln>
                     <a:extLst>
                       <a:ext uri="{91240B29-F687-4f45-9708-019B960494DF}">
-                        <a14:hiddenLine xmlns:a14="http://schemas.microsoft.com/office/drawing/2010/main" xmlns="" w="9525">
+                        <a14:hiddenLine xmlns="" xmlns:a14="http://schemas.microsoft.com/office/drawing/2010/main" w="9525">
                           <a:solidFill>
                             <a:srgbClr val="000000"/>
                           </a:solidFill>
@@ -20858,7 +20839,7 @@
                     </a:ln>
                     <a:extLst>
                       <a:ext uri="{91240B29-F687-4f45-9708-019B960494DF}">
-                        <a14:hiddenLine xmlns:a14="http://schemas.microsoft.com/office/drawing/2010/main" xmlns="" w="9525">
+                        <a14:hiddenLine xmlns="" xmlns:a14="http://schemas.microsoft.com/office/drawing/2010/main" w="9525">
                           <a:solidFill>
                             <a:srgbClr val="000000"/>
                           </a:solidFill>
@@ -23149,7 +23130,7 @@
                     </a:ln>
                     <a:extLst>
                       <a:ext uri="{91240B29-F687-4f45-9708-019B960494DF}">
-                        <a14:hiddenLine xmlns:a14="http://schemas.microsoft.com/office/drawing/2010/main" xmlns="" w="9525">
+                        <a14:hiddenLine xmlns="" xmlns:a14="http://schemas.microsoft.com/office/drawing/2010/main" w="9525">
                           <a:solidFill>
                             <a:srgbClr val="000000"/>
                           </a:solidFill>
@@ -23762,7 +23743,7 @@
                     </a:ln>
                     <a:extLst>
                       <a:ext uri="{91240B29-F687-4f45-9708-019B960494DF}">
-                        <a14:hiddenLine xmlns:a14="http://schemas.microsoft.com/office/drawing/2010/main" xmlns="" w="9525">
+                        <a14:hiddenLine xmlns="" xmlns:a14="http://schemas.microsoft.com/office/drawing/2010/main" w="9525">
                           <a:solidFill>
                             <a:srgbClr val="000000"/>
                           </a:solidFill>
@@ -24345,7 +24326,7 @@
                     </a:ln>
                     <a:extLst>
                       <a:ext uri="{91240B29-F687-4f45-9708-019B960494DF}">
-                        <a14:hiddenLine xmlns:a14="http://schemas.microsoft.com/office/drawing/2010/main" xmlns="" w="9525">
+                        <a14:hiddenLine xmlns="" xmlns:a14="http://schemas.microsoft.com/office/drawing/2010/main" w="9525">
                           <a:solidFill>
                             <a:srgbClr val="000000"/>
                           </a:solidFill>
@@ -25619,7 +25600,7 @@
                 </a:ln>
                 <a:extLst>
                   <a:ext uri="{91240B29-F687-4f45-9708-019B960494DF}">
-                    <a14:hiddenLine xmlns:a14="http://schemas.microsoft.com/office/drawing/2010/main" xmlns="" w="9525">
+                    <a14:hiddenLine xmlns="" xmlns:a14="http://schemas.microsoft.com/office/drawing/2010/main" w="9525">
                       <a:solidFill>
                         <a:srgbClr val="000000"/>
                       </a:solidFill>
